--- a/Report/Research Paper PPT2.pptx
+++ b/Report/Research Paper PPT2.pptx
@@ -5,7 +5,7 @@
     <p:sldMasterId id="2147483663" r:id="rId1"/>
   </p:sldMasterIdLst>
   <p:notesMasterIdLst>
-    <p:notesMasterId r:id="rId12"/>
+    <p:notesMasterId r:id="rId15"/>
   </p:notesMasterIdLst>
   <p:sldIdLst>
     <p:sldId id="374" r:id="rId2"/>
@@ -18,6 +18,9 @@
     <p:sldId id="378" r:id="rId9"/>
     <p:sldId id="379" r:id="rId10"/>
     <p:sldId id="380" r:id="rId11"/>
+    <p:sldId id="381" r:id="rId12"/>
+    <p:sldId id="382" r:id="rId13"/>
+    <p:sldId id="383" r:id="rId14"/>
   </p:sldIdLst>
   <p:sldSz cx="12192000" cy="6858000"/>
   <p:notesSz cx="6858000" cy="9144000"/>
@@ -9972,7 +9975,511 @@
         <p:spPr>
           <a:xfrm>
             <a:off x="0" y="304800"/>
-            <a:ext cx="12192000" cy="685800"/>
+            <a:ext cx="4391025" cy="685800"/>
+          </a:xfrm>
+          <a:prstGeom prst="rect">
+            <a:avLst/>
+          </a:prstGeom>
+        </p:spPr>
+        <p:style>
+          <a:lnRef idx="2">
+            <a:schemeClr val="accent1">
+              <a:shade val="15000"/>
+            </a:schemeClr>
+          </a:lnRef>
+          <a:fillRef idx="1">
+            <a:schemeClr val="accent1"/>
+          </a:fillRef>
+          <a:effectRef idx="0">
+            <a:schemeClr val="accent1"/>
+          </a:effectRef>
+          <a:fontRef idx="minor">
+            <a:schemeClr val="lt1"/>
+          </a:fontRef>
+        </p:style>
+        <p:txBody>
+          <a:bodyPr rtlCol="0" anchor="ctr"/>
+          <a:lstStyle/>
+          <a:p>
+            <a:pPr algn="ctr"/>
+            <a:r>
+              <a:rPr lang="en-IN" sz="2000" b="1" dirty="0">
+                <a:solidFill>
+                  <a:schemeClr val="tx1"/>
+                </a:solidFill>
+              </a:rPr>
+              <a:t>Apple Vison Pro: Current AR/VR trend</a:t>
+            </a:r>
+          </a:p>
+        </p:txBody>
+      </p:sp>
+      <p:sp>
+        <p:nvSpPr>
+          <p:cNvPr id="3" name="TextBox 2">
+            <a:extLst>
+              <a:ext uri="{FF2B5EF4-FFF2-40B4-BE49-F238E27FC236}">
+                <a16:creationId xmlns:a16="http://schemas.microsoft.com/office/drawing/2014/main" id="{7341AF6C-2D66-51B2-7153-AC9FBA375E71}"/>
+              </a:ext>
+            </a:extLst>
+          </p:cNvPr>
+          <p:cNvSpPr txBox="1"/>
+          <p:nvPr/>
+        </p:nvSpPr>
+        <p:spPr>
+          <a:xfrm>
+            <a:off x="180976" y="1400174"/>
+            <a:ext cx="6934200" cy="4247317"/>
+          </a:xfrm>
+          <a:prstGeom prst="rect">
+            <a:avLst/>
+          </a:prstGeom>
+          <a:noFill/>
+        </p:spPr>
+        <p:txBody>
+          <a:bodyPr wrap="square" rtlCol="0">
+            <a:spAutoFit/>
+          </a:bodyPr>
+          <a:lstStyle/>
+          <a:p>
+            <a:pPr marL="285750" indent="-285750">
+              <a:buFont typeface="Arial" panose="020B0604020202020204" pitchFamily="34" charset="0"/>
+              <a:buChar char="•"/>
+            </a:pPr>
+            <a:r>
+              <a:rPr lang="en-US" dirty="0">
+                <a:solidFill>
+                  <a:schemeClr val="bg1"/>
+                </a:solidFill>
+                <a:latin typeface="Times New Roman" panose="02020603050405020304" pitchFamily="18" charset="0"/>
+                <a:cs typeface="Times New Roman" panose="02020603050405020304" pitchFamily="18" charset="0"/>
+              </a:rPr>
+              <a:t>Announced at Apple's Worldwide Developers Conference on June 5, 2023.</a:t>
+            </a:r>
+          </a:p>
+          <a:p>
+            <a:pPr marL="285750" indent="-285750">
+              <a:buFont typeface="Arial" panose="020B0604020202020204" pitchFamily="34" charset="0"/>
+              <a:buChar char="•"/>
+            </a:pPr>
+            <a:r>
+              <a:rPr lang="en-US" dirty="0">
+                <a:solidFill>
+                  <a:schemeClr val="bg1"/>
+                </a:solidFill>
+                <a:latin typeface="Times New Roman" panose="02020603050405020304" pitchFamily="18" charset="0"/>
+                <a:cs typeface="Times New Roman" panose="02020603050405020304" pitchFamily="18" charset="0"/>
+              </a:rPr>
+              <a:t>Pre-orders began on January 19, 2024, and it became available for purchase on February 2, 2024.</a:t>
+            </a:r>
+          </a:p>
+          <a:p>
+            <a:pPr marL="285750" indent="-285750">
+              <a:buFont typeface="Arial" panose="020B0604020202020204" pitchFamily="34" charset="0"/>
+              <a:buChar char="•"/>
+            </a:pPr>
+            <a:r>
+              <a:rPr lang="en-US" dirty="0">
+                <a:solidFill>
+                  <a:schemeClr val="bg1"/>
+                </a:solidFill>
+                <a:latin typeface="Times New Roman" panose="02020603050405020304" pitchFamily="18" charset="0"/>
+                <a:cs typeface="Times New Roman" panose="02020603050405020304" pitchFamily="18" charset="0"/>
+              </a:rPr>
+              <a:t>Described as a "spatial computer" blending digital and physical media.</a:t>
+            </a:r>
+          </a:p>
+          <a:p>
+            <a:pPr marL="285750" indent="-285750">
+              <a:buFont typeface="Arial" panose="020B0604020202020204" pitchFamily="34" charset="0"/>
+              <a:buChar char="•"/>
+            </a:pPr>
+            <a:r>
+              <a:rPr lang="en-US" dirty="0">
+                <a:solidFill>
+                  <a:schemeClr val="bg1"/>
+                </a:solidFill>
+                <a:latin typeface="Times New Roman" panose="02020603050405020304" pitchFamily="18" charset="0"/>
+                <a:cs typeface="Times New Roman" panose="02020603050405020304" pitchFamily="18" charset="0"/>
+              </a:rPr>
+              <a:t>Despite its higher price and shorter battery life, the Vision Pro has exceeded sales expectations.</a:t>
+            </a:r>
+          </a:p>
+          <a:p>
+            <a:pPr marL="285750" indent="-285750">
+              <a:buFont typeface="Arial" panose="020B0604020202020204" pitchFamily="34" charset="0"/>
+              <a:buChar char="•"/>
+            </a:pPr>
+            <a:r>
+              <a:rPr lang="en-US" dirty="0">
+                <a:solidFill>
+                  <a:schemeClr val="bg1"/>
+                </a:solidFill>
+                <a:latin typeface="Times New Roman" panose="02020603050405020304" pitchFamily="18" charset="0"/>
+                <a:cs typeface="Times New Roman" panose="02020603050405020304" pitchFamily="18" charset="0"/>
+              </a:rPr>
+              <a:t>Initial sales projections of 150,000 to 200,000 units surpassed, with sales exceeding 200,000 units.</a:t>
+            </a:r>
+          </a:p>
+          <a:p>
+            <a:pPr marL="285750" indent="-285750">
+              <a:buFont typeface="Arial" panose="020B0604020202020204" pitchFamily="34" charset="0"/>
+              <a:buChar char="•"/>
+            </a:pPr>
+            <a:r>
+              <a:rPr lang="en-US" dirty="0">
+                <a:solidFill>
+                  <a:schemeClr val="bg1"/>
+                </a:solidFill>
+                <a:latin typeface="Times New Roman" panose="02020603050405020304" pitchFamily="18" charset="0"/>
+                <a:cs typeface="Times New Roman" panose="02020603050405020304" pitchFamily="18" charset="0"/>
+              </a:rPr>
+              <a:t>Return percentages dropped to 1%, indicating high customer satisfaction.</a:t>
+            </a:r>
+          </a:p>
+          <a:p>
+            <a:pPr marL="0" indent="0">
+              <a:buNone/>
+            </a:pPr>
+            <a:endParaRPr lang="en-US" dirty="0">
+              <a:latin typeface="Times New Roman" panose="02020603050405020304" pitchFamily="18" charset="0"/>
+              <a:cs typeface="Times New Roman" panose="02020603050405020304" pitchFamily="18" charset="0"/>
+            </a:endParaRPr>
+          </a:p>
+          <a:p>
+            <a:pPr marL="0" indent="0">
+              <a:buNone/>
+            </a:pPr>
+            <a:endParaRPr lang="en-IN" dirty="0">
+              <a:latin typeface="Times New Roman" panose="02020603050405020304" pitchFamily="18" charset="0"/>
+              <a:cs typeface="Times New Roman" panose="02020603050405020304" pitchFamily="18" charset="0"/>
+            </a:endParaRPr>
+          </a:p>
+          <a:p>
+            <a:endParaRPr lang="en-IN" dirty="0">
+              <a:latin typeface="Times New Roman" panose="02020603050405020304" pitchFamily="18" charset="0"/>
+              <a:cs typeface="Times New Roman" panose="02020603050405020304" pitchFamily="18" charset="0"/>
+            </a:endParaRPr>
+          </a:p>
+        </p:txBody>
+      </p:sp>
+    </p:spTree>
+    <p:extLst>
+      <p:ext uri="{BB962C8B-B14F-4D97-AF65-F5344CB8AC3E}">
+        <p14:creationId xmlns:p14="http://schemas.microsoft.com/office/powerpoint/2010/main" val="917438496"/>
+      </p:ext>
+    </p:extLst>
+  </p:cSld>
+  <p:clrMapOvr>
+    <a:masterClrMapping/>
+  </p:clrMapOvr>
+  <mc:AlternateContent xmlns:mc="http://schemas.openxmlformats.org/markup-compatibility/2006" xmlns:p14="http://schemas.microsoft.com/office/powerpoint/2010/main">
+    <mc:Choice Requires="p14">
+      <p:transition spd="slow" p14:dur="1500" advClick="0" advTm="0">
+        <p:random/>
+      </p:transition>
+    </mc:Choice>
+    <mc:Fallback xmlns="">
+      <p:transition spd="slow" advClick="0" advTm="0">
+        <p:random/>
+      </p:transition>
+    </mc:Fallback>
+  </mc:AlternateContent>
+</p:sld>
+</file>
+
+<file path=ppt/slides/slide11.xml><?xml version="1.0" encoding="utf-8"?>
+<p:sld xmlns:a="http://schemas.openxmlformats.org/drawingml/2006/main" xmlns:r="http://schemas.openxmlformats.org/officeDocument/2006/relationships" xmlns:p="http://schemas.openxmlformats.org/presentationml/2006/main">
+  <p:cSld>
+    <p:spTree>
+      <p:nvGrpSpPr>
+        <p:cNvPr id="1" name=""/>
+        <p:cNvGrpSpPr/>
+        <p:nvPr/>
+      </p:nvGrpSpPr>
+      <p:grpSpPr>
+        <a:xfrm>
+          <a:off x="0" y="0"/>
+          <a:ext cx="0" cy="0"/>
+          <a:chOff x="0" y="0"/>
+          <a:chExt cx="0" cy="0"/>
+        </a:xfrm>
+      </p:grpSpPr>
+      <p:sp>
+        <p:nvSpPr>
+          <p:cNvPr id="2" name="Rectangle 1">
+            <a:extLst>
+              <a:ext uri="{FF2B5EF4-FFF2-40B4-BE49-F238E27FC236}">
+                <a16:creationId xmlns:a16="http://schemas.microsoft.com/office/drawing/2014/main" id="{D10A0C38-1F91-93AD-6440-EA2B2E722BDE}"/>
+              </a:ext>
+            </a:extLst>
+          </p:cNvPr>
+          <p:cNvSpPr/>
+          <p:nvPr/>
+        </p:nvSpPr>
+        <p:spPr>
+          <a:xfrm>
+            <a:off x="0" y="304800"/>
+            <a:ext cx="4276725" cy="695325"/>
+          </a:xfrm>
+          <a:prstGeom prst="rect">
+            <a:avLst/>
+          </a:prstGeom>
+        </p:spPr>
+        <p:style>
+          <a:lnRef idx="2">
+            <a:schemeClr val="accent1">
+              <a:shade val="15000"/>
+            </a:schemeClr>
+          </a:lnRef>
+          <a:fillRef idx="1">
+            <a:schemeClr val="accent1"/>
+          </a:fillRef>
+          <a:effectRef idx="0">
+            <a:schemeClr val="accent1"/>
+          </a:effectRef>
+          <a:fontRef idx="minor">
+            <a:schemeClr val="lt1"/>
+          </a:fontRef>
+        </p:style>
+        <p:txBody>
+          <a:bodyPr rtlCol="0" anchor="ctr"/>
+          <a:lstStyle/>
+          <a:p>
+            <a:pPr algn="ctr"/>
+            <a:r>
+              <a:rPr lang="en-US" sz="2000" b="1" dirty="0"/>
+              <a:t>Conclusion</a:t>
+            </a:r>
+            <a:endParaRPr lang="en-IN" b="1" dirty="0"/>
+          </a:p>
+        </p:txBody>
+      </p:sp>
+      <p:sp>
+        <p:nvSpPr>
+          <p:cNvPr id="3" name="TextBox 2">
+            <a:extLst>
+              <a:ext uri="{FF2B5EF4-FFF2-40B4-BE49-F238E27FC236}">
+                <a16:creationId xmlns:a16="http://schemas.microsoft.com/office/drawing/2014/main" id="{91922E43-66B5-27F6-6750-50E6F0C1E4DC}"/>
+              </a:ext>
+            </a:extLst>
+          </p:cNvPr>
+          <p:cNvSpPr txBox="1"/>
+          <p:nvPr/>
+        </p:nvSpPr>
+        <p:spPr>
+          <a:xfrm>
+            <a:off x="466724" y="1435090"/>
+            <a:ext cx="6715125" cy="2862322"/>
+          </a:xfrm>
+          <a:prstGeom prst="rect">
+            <a:avLst/>
+          </a:prstGeom>
+          <a:noFill/>
+        </p:spPr>
+        <p:txBody>
+          <a:bodyPr wrap="square" rtlCol="0">
+            <a:spAutoFit/>
+          </a:bodyPr>
+          <a:lstStyle/>
+          <a:p>
+            <a:r>
+              <a:rPr lang="en-US" b="0" i="0" dirty="0">
+                <a:solidFill>
+                  <a:schemeClr val="bg1"/>
+                </a:solidFill>
+                <a:effectLst/>
+                <a:latin typeface="Söhne"/>
+              </a:rPr>
+              <a:t>The usage and implementation of AR/VR are projected to continue increasing, driving growth in sales and market size as more implementations are introduced. This expansion is anticipated to have positive impacts on users, companies, and the AR/VR field overall. With advancements in performance from these implementations, we can expect to see more convenient and well-implemented devices entering the commercial AR/VR products market, poised for success. It's important to note that these hypotheses converge and mutually influence each other, highlighting the interconnected nature of the AR/VR ecosystem.</a:t>
+            </a:r>
+            <a:endParaRPr lang="en-IN" dirty="0">
+              <a:solidFill>
+                <a:schemeClr val="bg1"/>
+              </a:solidFill>
+            </a:endParaRPr>
+          </a:p>
+        </p:txBody>
+      </p:sp>
+    </p:spTree>
+    <p:extLst>
+      <p:ext uri="{BB962C8B-B14F-4D97-AF65-F5344CB8AC3E}">
+        <p14:creationId xmlns:p14="http://schemas.microsoft.com/office/powerpoint/2010/main" val="656423472"/>
+      </p:ext>
+    </p:extLst>
+  </p:cSld>
+  <p:clrMapOvr>
+    <a:masterClrMapping/>
+  </p:clrMapOvr>
+  <mc:AlternateContent xmlns:mc="http://schemas.openxmlformats.org/markup-compatibility/2006" xmlns:p14="http://schemas.microsoft.com/office/powerpoint/2010/main">
+    <mc:Choice Requires="p14">
+      <p:transition spd="slow" p14:dur="1500" advClick="0" advTm="0">
+        <p:random/>
+      </p:transition>
+    </mc:Choice>
+    <mc:Fallback xmlns="">
+      <p:transition spd="slow" advClick="0" advTm="0">
+        <p:random/>
+      </p:transition>
+    </mc:Fallback>
+  </mc:AlternateContent>
+</p:sld>
+</file>
+
+<file path=ppt/slides/slide12.xml><?xml version="1.0" encoding="utf-8"?>
+<p:sld xmlns:a="http://schemas.openxmlformats.org/drawingml/2006/main" xmlns:r="http://schemas.openxmlformats.org/officeDocument/2006/relationships" xmlns:p="http://schemas.openxmlformats.org/presentationml/2006/main">
+  <p:cSld>
+    <p:spTree>
+      <p:nvGrpSpPr>
+        <p:cNvPr id="1" name=""/>
+        <p:cNvGrpSpPr/>
+        <p:nvPr/>
+      </p:nvGrpSpPr>
+      <p:grpSpPr>
+        <a:xfrm>
+          <a:off x="0" y="0"/>
+          <a:ext cx="0" cy="0"/>
+          <a:chOff x="0" y="0"/>
+          <a:chExt cx="0" cy="0"/>
+        </a:xfrm>
+      </p:grpSpPr>
+      <p:sp>
+        <p:nvSpPr>
+          <p:cNvPr id="2" name="Rectangle 1">
+            <a:extLst>
+              <a:ext uri="{FF2B5EF4-FFF2-40B4-BE49-F238E27FC236}">
+                <a16:creationId xmlns:a16="http://schemas.microsoft.com/office/drawing/2014/main" id="{C568EBCE-EC08-53B0-9D82-C34BB2C1CDD9}"/>
+              </a:ext>
+            </a:extLst>
+          </p:cNvPr>
+          <p:cNvSpPr/>
+          <p:nvPr/>
+        </p:nvSpPr>
+        <p:spPr>
+          <a:xfrm>
+            <a:off x="0" y="295275"/>
+            <a:ext cx="4314825" cy="685800"/>
+          </a:xfrm>
+          <a:prstGeom prst="rect">
+            <a:avLst/>
+          </a:prstGeom>
+        </p:spPr>
+        <p:style>
+          <a:lnRef idx="2">
+            <a:schemeClr val="accent1">
+              <a:shade val="15000"/>
+            </a:schemeClr>
+          </a:lnRef>
+          <a:fillRef idx="1">
+            <a:schemeClr val="accent1"/>
+          </a:fillRef>
+          <a:effectRef idx="0">
+            <a:schemeClr val="accent1"/>
+          </a:effectRef>
+          <a:fontRef idx="minor">
+            <a:schemeClr val="lt1"/>
+          </a:fontRef>
+        </p:style>
+        <p:txBody>
+          <a:bodyPr rtlCol="0" anchor="ctr"/>
+          <a:lstStyle/>
+          <a:p>
+            <a:pPr algn="ctr"/>
+            <a:r>
+              <a:rPr lang="en-US" sz="2000" b="1" dirty="0"/>
+              <a:t>Future Scope</a:t>
+            </a:r>
+            <a:endParaRPr lang="en-IN" b="1" dirty="0"/>
+          </a:p>
+        </p:txBody>
+      </p:sp>
+      <p:pic>
+        <p:nvPicPr>
+          <p:cNvPr id="3" name="Content Placeholder 3">
+            <a:extLst>
+              <a:ext uri="{FF2B5EF4-FFF2-40B4-BE49-F238E27FC236}">
+                <a16:creationId xmlns:a16="http://schemas.microsoft.com/office/drawing/2014/main" id="{7F858154-5E01-043E-319B-5A8A9C35C7E9}"/>
+              </a:ext>
+            </a:extLst>
+          </p:cNvPr>
+          <p:cNvPicPr>
+            <a:picLocks noChangeAspect="1"/>
+          </p:cNvPicPr>
+          <p:nvPr/>
+        </p:nvPicPr>
+        <p:blipFill>
+          <a:blip r:embed="rId2"/>
+          <a:stretch>
+            <a:fillRect/>
+          </a:stretch>
+        </p:blipFill>
+        <p:spPr>
+          <a:xfrm>
+            <a:off x="3381375" y="1339766"/>
+            <a:ext cx="6172200" cy="4411541"/>
+          </a:xfrm>
+          <a:prstGeom prst="rect">
+            <a:avLst/>
+          </a:prstGeom>
+        </p:spPr>
+      </p:pic>
+    </p:spTree>
+    <p:extLst>
+      <p:ext uri="{BB962C8B-B14F-4D97-AF65-F5344CB8AC3E}">
+        <p14:creationId xmlns:p14="http://schemas.microsoft.com/office/powerpoint/2010/main" val="745868114"/>
+      </p:ext>
+    </p:extLst>
+  </p:cSld>
+  <p:clrMapOvr>
+    <a:masterClrMapping/>
+  </p:clrMapOvr>
+  <mc:AlternateContent xmlns:mc="http://schemas.openxmlformats.org/markup-compatibility/2006" xmlns:p14="http://schemas.microsoft.com/office/powerpoint/2010/main">
+    <mc:Choice Requires="p14">
+      <p:transition spd="slow" p14:dur="1500" advClick="0" advTm="0">
+        <p:random/>
+      </p:transition>
+    </mc:Choice>
+    <mc:Fallback xmlns="">
+      <p:transition spd="slow" advClick="0" advTm="0">
+        <p:random/>
+      </p:transition>
+    </mc:Fallback>
+  </mc:AlternateContent>
+</p:sld>
+</file>
+
+<file path=ppt/slides/slide13.xml><?xml version="1.0" encoding="utf-8"?>
+<p:sld xmlns:a="http://schemas.openxmlformats.org/drawingml/2006/main" xmlns:r="http://schemas.openxmlformats.org/officeDocument/2006/relationships" xmlns:p="http://schemas.openxmlformats.org/presentationml/2006/main">
+  <p:cSld>
+    <p:spTree>
+      <p:nvGrpSpPr>
+        <p:cNvPr id="1" name=""/>
+        <p:cNvGrpSpPr/>
+        <p:nvPr/>
+      </p:nvGrpSpPr>
+      <p:grpSpPr>
+        <a:xfrm>
+          <a:off x="0" y="0"/>
+          <a:ext cx="0" cy="0"/>
+          <a:chOff x="0" y="0"/>
+          <a:chExt cx="0" cy="0"/>
+        </a:xfrm>
+      </p:grpSpPr>
+      <p:sp>
+        <p:nvSpPr>
+          <p:cNvPr id="2" name="Rectangle 1">
+            <a:extLst>
+              <a:ext uri="{FF2B5EF4-FFF2-40B4-BE49-F238E27FC236}">
+                <a16:creationId xmlns:a16="http://schemas.microsoft.com/office/drawing/2014/main" id="{4D68C537-A848-4DEA-2808-D67E5E881DBC}"/>
+              </a:ext>
+            </a:extLst>
+          </p:cNvPr>
+          <p:cNvSpPr/>
+          <p:nvPr/>
+        </p:nvSpPr>
+        <p:spPr>
+          <a:xfrm>
+            <a:off x="0" y="295275"/>
+            <a:ext cx="12192000" cy="704850"/>
           </a:xfrm>
           <a:prstGeom prst="rect">
             <a:avLst/>
@@ -10003,10 +10510,40 @@
           </a:p>
         </p:txBody>
       </p:sp>
+      <p:pic>
+        <p:nvPicPr>
+          <p:cNvPr id="3" name="Picture 2">
+            <a:extLst>
+              <a:ext uri="{FF2B5EF4-FFF2-40B4-BE49-F238E27FC236}">
+                <a16:creationId xmlns:a16="http://schemas.microsoft.com/office/drawing/2014/main" id="{EBBA8C48-6C84-B398-05A3-B0ED4C942AB6}"/>
+              </a:ext>
+            </a:extLst>
+          </p:cNvPr>
+          <p:cNvPicPr>
+            <a:picLocks noChangeAspect="1"/>
+          </p:cNvPicPr>
+          <p:nvPr/>
+        </p:nvPicPr>
+        <p:blipFill>
+          <a:blip r:embed="rId2"/>
+          <a:stretch>
+            <a:fillRect/>
+          </a:stretch>
+        </p:blipFill>
+        <p:spPr>
+          <a:xfrm>
+            <a:off x="3390900" y="1123950"/>
+            <a:ext cx="5715000" cy="5638800"/>
+          </a:xfrm>
+          <a:prstGeom prst="rect">
+            <a:avLst/>
+          </a:prstGeom>
+        </p:spPr>
+      </p:pic>
     </p:spTree>
     <p:extLst>
       <p:ext uri="{BB962C8B-B14F-4D97-AF65-F5344CB8AC3E}">
-        <p14:creationId xmlns:p14="http://schemas.microsoft.com/office/powerpoint/2010/main" val="917438496"/>
+        <p14:creationId xmlns:p14="http://schemas.microsoft.com/office/powerpoint/2010/main" val="1993695487"/>
       </p:ext>
     </p:extLst>
   </p:cSld>
@@ -17362,10 +17899,18 @@
           <a:p>
             <a:pPr algn="ctr"/>
             <a:r>
-              <a:rPr lang="en-US" sz="2800" b="1" dirty="0"/>
+              <a:rPr lang="en-US" sz="2800" b="1" dirty="0">
+                <a:solidFill>
+                  <a:schemeClr val="tx1"/>
+                </a:solidFill>
+              </a:rPr>
               <a:t>Introduction</a:t>
             </a:r>
-            <a:endParaRPr lang="en-IN" sz="2800" b="1" dirty="0"/>
+            <a:endParaRPr lang="en-IN" sz="2800" b="1" dirty="0">
+              <a:solidFill>
+                <a:schemeClr val="tx1"/>
+              </a:solidFill>
+            </a:endParaRPr>
           </a:p>
         </p:txBody>
       </p:sp>
@@ -17449,10 +17994,18 @@
           <a:p>
             <a:pPr algn="ctr"/>
             <a:r>
-              <a:rPr lang="en-US" sz="2000" b="1" dirty="0"/>
+              <a:rPr lang="en-US" sz="2000" b="1" dirty="0">
+                <a:solidFill>
+                  <a:schemeClr val="tx1"/>
+                </a:solidFill>
+              </a:rPr>
               <a:t>Examples and Related Work</a:t>
             </a:r>
-            <a:endParaRPr lang="en-IN" sz="2000" b="1" dirty="0"/>
+            <a:endParaRPr lang="en-IN" sz="2000" b="1" dirty="0">
+              <a:solidFill>
+                <a:schemeClr val="tx1"/>
+              </a:solidFill>
+            </a:endParaRPr>
           </a:p>
         </p:txBody>
       </p:sp>
@@ -22208,18 +22761,12 @@
             <a:pPr algn="ctr" defTabSz="1218804"/>
             <a:r>
               <a:rPr lang="en-US" altLang="zh-CN" sz="2666" dirty="0">
-                <a:solidFill>
-                  <a:prstClr val="white"/>
-                </a:solidFill>
                 <a:latin typeface="Yeseva One" panose="00000500000000000000" pitchFamily="2" charset="0"/>
                 <a:ea typeface="微软雅黑" panose="020B0503020204020204" pitchFamily="34" charset="-122"/>
               </a:rPr>
               <a:t>Hypothesis</a:t>
             </a:r>
             <a:endParaRPr lang="zh-CN" altLang="en-US" sz="2666" dirty="0">
-              <a:solidFill>
-                <a:prstClr val="white"/>
-              </a:solidFill>
               <a:latin typeface="Yeseva One" panose="00000500000000000000" pitchFamily="2" charset="0"/>
               <a:ea typeface="微软雅黑" panose="020B0503020204020204" pitchFamily="34" charset="-122"/>
             </a:endParaRPr>
@@ -22833,9 +23380,6 @@
             </a:pPr>
             <a:r>
               <a:rPr lang="en-US" altLang="zh-CN" sz="1599" dirty="0">
-                <a:solidFill>
-                  <a:prstClr val="white"/>
-                </a:solidFill>
                 <a:latin typeface="Yeseva One" panose="00000500000000000000" pitchFamily="2" charset="0"/>
                 <a:ea typeface="微软雅黑" panose="020B0503020204020204" pitchFamily="34" charset="-122"/>
                 <a:cs typeface="Bebas Neue" charset="0"/>
@@ -22887,9 +23431,6 @@
             </a:pPr>
             <a:r>
               <a:rPr lang="en-US" altLang="zh-CN" sz="1599" dirty="0">
-                <a:solidFill>
-                  <a:prstClr val="white"/>
-                </a:solidFill>
                 <a:latin typeface="Yeseva One" panose="00000500000000000000" pitchFamily="2" charset="0"/>
                 <a:ea typeface="微软雅黑" panose="020B0503020204020204" pitchFamily="34" charset="-122"/>
                 <a:cs typeface="Bebas Neue" charset="0"/>
@@ -22941,9 +23482,6 @@
             </a:pPr>
             <a:r>
               <a:rPr lang="en-US" altLang="zh-CN" sz="1599" dirty="0">
-                <a:solidFill>
-                  <a:prstClr val="white"/>
-                </a:solidFill>
                 <a:latin typeface="Yeseva One" panose="00000500000000000000" pitchFamily="2" charset="0"/>
                 <a:ea typeface="微软雅黑" panose="020B0503020204020204" pitchFamily="34" charset="-122"/>
                 <a:cs typeface="Bebas Neue" charset="0"/>
@@ -23227,10 +23765,18 @@
           <a:p>
             <a:pPr algn="ctr"/>
             <a:r>
-              <a:rPr lang="en-US" sz="2000" b="1" dirty="0"/>
+              <a:rPr lang="en-US" sz="2000" b="1" dirty="0">
+                <a:solidFill>
+                  <a:schemeClr val="tx1"/>
+                </a:solidFill>
+              </a:rPr>
               <a:t>Information Study</a:t>
             </a:r>
-            <a:endParaRPr lang="en-IN" b="1" dirty="0"/>
+            <a:endParaRPr lang="en-IN" b="1" dirty="0">
+              <a:solidFill>
+                <a:schemeClr val="tx1"/>
+              </a:solidFill>
+            </a:endParaRPr>
           </a:p>
         </p:txBody>
       </p:sp>
@@ -23277,10 +23823,18 @@
           <a:p>
             <a:pPr algn="ctr"/>
             <a:r>
-              <a:rPr lang="en-US" b="1" dirty="0"/>
+              <a:rPr lang="en-US" b="1" dirty="0">
+                <a:solidFill>
+                  <a:schemeClr val="tx1"/>
+                </a:solidFill>
+              </a:rPr>
               <a:t>Hypothesis 1</a:t>
             </a:r>
-            <a:endParaRPr lang="en-IN" b="1" dirty="0"/>
+            <a:endParaRPr lang="en-IN" b="1" dirty="0">
+              <a:solidFill>
+                <a:schemeClr val="tx1"/>
+              </a:solidFill>
+            </a:endParaRPr>
           </a:p>
         </p:txBody>
       </p:sp>
@@ -25445,18 +25999,12 @@
               <a:pPr algn="ctr" defTabSz="1218804"/>
               <a:r>
                 <a:rPr lang="en-US" altLang="zh-CN" sz="2399" b="1" dirty="0">
-                  <a:solidFill>
-                    <a:prstClr val="white"/>
-                  </a:solidFill>
                   <a:latin typeface="Yeseva One" panose="00000500000000000000" pitchFamily="2" charset="0"/>
                   <a:ea typeface="微软雅黑" panose="020B0503020204020204" pitchFamily="34" charset="-122"/>
                 </a:rPr>
                 <a:t>Spatial Computing</a:t>
               </a:r>
               <a:endParaRPr lang="zh-CN" altLang="en-US" sz="2399" b="1" dirty="0">
-                <a:solidFill>
-                  <a:prstClr val="white"/>
-                </a:solidFill>
                 <a:latin typeface="Yeseva One" panose="00000500000000000000" pitchFamily="2" charset="0"/>
                 <a:ea typeface="微软雅黑" panose="020B0503020204020204" pitchFamily="34" charset="-122"/>
               </a:endParaRPr>
@@ -26349,18 +26897,12 @@
               <a:pPr algn="ctr" defTabSz="1218804"/>
               <a:r>
                 <a:rPr lang="en-US" altLang="zh-CN" sz="2399" b="1" dirty="0">
-                  <a:solidFill>
-                    <a:prstClr val="white"/>
-                  </a:solidFill>
                   <a:latin typeface="Yeseva One" panose="00000500000000000000" pitchFamily="2" charset="0"/>
                   <a:ea typeface="微软雅黑" panose="020B0503020204020204" pitchFamily="34" charset="-122"/>
                 </a:rPr>
                 <a:t>Emotion Recognition</a:t>
               </a:r>
               <a:endParaRPr lang="zh-CN" altLang="en-US" sz="2399" b="1" dirty="0">
-                <a:solidFill>
-                  <a:prstClr val="white"/>
-                </a:solidFill>
                 <a:latin typeface="Yeseva One" panose="00000500000000000000" pitchFamily="2" charset="0"/>
                 <a:ea typeface="微软雅黑" panose="020B0503020204020204" pitchFamily="34" charset="-122"/>
               </a:endParaRPr>
@@ -28907,10 +29449,18 @@
           <a:p>
             <a:pPr algn="ctr"/>
             <a:r>
-              <a:rPr lang="en-US" sz="2000" b="1" dirty="0"/>
+              <a:rPr lang="en-US" sz="2000" b="1" dirty="0">
+                <a:solidFill>
+                  <a:schemeClr val="tx1"/>
+                </a:solidFill>
+              </a:rPr>
               <a:t>Hypothesis 2</a:t>
             </a:r>
-            <a:endParaRPr lang="en-IN" b="1" dirty="0"/>
+            <a:endParaRPr lang="en-IN" b="1" dirty="0">
+              <a:solidFill>
+                <a:schemeClr val="tx1"/>
+              </a:solidFill>
+            </a:endParaRPr>
           </a:p>
         </p:txBody>
       </p:sp>
@@ -31552,10 +32102,18 @@
           <a:p>
             <a:pPr algn="ctr"/>
             <a:r>
-              <a:rPr lang="en-US" sz="2000" b="1" dirty="0"/>
+              <a:rPr lang="en-US" sz="2000" b="1" dirty="0">
+                <a:solidFill>
+                  <a:schemeClr val="tx1"/>
+                </a:solidFill>
+              </a:rPr>
               <a:t>Hypothesis 3</a:t>
             </a:r>
-            <a:endParaRPr lang="en-IN" b="1" dirty="0"/>
+            <a:endParaRPr lang="en-IN" b="1" dirty="0">
+              <a:solidFill>
+                <a:schemeClr val="tx1"/>
+              </a:solidFill>
+            </a:endParaRPr>
           </a:p>
         </p:txBody>
       </p:sp>

--- a/Report/Research Paper PPT2.pptx
+++ b/Report/Research Paper PPT2.pptx
@@ -10247,10 +10247,18 @@
           <a:p>
             <a:pPr algn="ctr"/>
             <a:r>
-              <a:rPr lang="en-US" sz="2000" b="1" dirty="0"/>
+              <a:rPr lang="en-US" sz="2000" b="1" dirty="0">
+                <a:solidFill>
+                  <a:schemeClr val="tx1"/>
+                </a:solidFill>
+              </a:rPr>
               <a:t>Conclusion</a:t>
             </a:r>
-            <a:endParaRPr lang="en-IN" b="1" dirty="0"/>
+            <a:endParaRPr lang="en-IN" b="1" dirty="0">
+              <a:solidFill>
+                <a:schemeClr val="tx1"/>
+              </a:solidFill>
+            </a:endParaRPr>
           </a:p>
         </p:txBody>
       </p:sp>
@@ -10385,10 +10393,18 @@
           <a:p>
             <a:pPr algn="ctr"/>
             <a:r>
-              <a:rPr lang="en-US" sz="2000" b="1" dirty="0"/>
+              <a:rPr lang="en-US" sz="2000" b="1" dirty="0">
+                <a:solidFill>
+                  <a:schemeClr val="tx1"/>
+                </a:solidFill>
+              </a:rPr>
               <a:t>Future Scope</a:t>
             </a:r>
-            <a:endParaRPr lang="en-IN" b="1" dirty="0"/>
+            <a:endParaRPr lang="en-IN" b="1" dirty="0">
+              <a:solidFill>
+                <a:schemeClr val="tx1"/>
+              </a:solidFill>
+            </a:endParaRPr>
           </a:p>
         </p:txBody>
       </p:sp>
@@ -16014,7 +16030,7 @@
                 <a:ea typeface="微软雅黑" panose="020B0503020204020204" pitchFamily="34" charset="-122"/>
                 <a:sym typeface="Arial" panose="020B0604020202020204" pitchFamily="34" charset="0"/>
               </a:rPr>
-              <a:t>Increasing Usage and Adoption</a:t>
+              <a:t>Increasing Usage</a:t>
             </a:r>
             <a:endParaRPr lang="es-ES" altLang="zh-CN" sz="1326" b="0" dirty="0">
               <a:solidFill>
@@ -16669,8 +16685,8 @@
         </p:nvSpPr>
         <p:spPr bwMode="auto">
           <a:xfrm>
-            <a:off x="5068126" y="4999031"/>
-            <a:ext cx="2055328" cy="162618"/>
+            <a:off x="5068125" y="4999031"/>
+            <a:ext cx="2264279" cy="196382"/>
           </a:xfrm>
           <a:custGeom>
             <a:avLst/>
@@ -16861,6 +16877,17 @@
               </a:lnSpc>
             </a:pPr>
             <a:r>
+              <a:rPr lang="es-ES" altLang="zh-CN" sz="1326" b="0" dirty="0" err="1">
+                <a:solidFill>
+                  <a:srgbClr val="02FDFF"/>
+                </a:solidFill>
+                <a:latin typeface="Yeseva One" panose="00000500000000000000" pitchFamily="2" charset="0"/>
+                <a:ea typeface="微软雅黑" panose="020B0503020204020204" pitchFamily="34" charset="-122"/>
+                <a:sym typeface="Arial" panose="020B0604020202020204" pitchFamily="34" charset="0"/>
+              </a:rPr>
+              <a:t>Enhanced</a:t>
+            </a:r>
+            <a:r>
               <a:rPr lang="es-ES" altLang="zh-CN" sz="1326" b="0" dirty="0">
                 <a:solidFill>
                   <a:srgbClr val="02FDFF"/>
@@ -16869,7 +16896,7 @@
                 <a:ea typeface="微软雅黑" panose="020B0503020204020204" pitchFamily="34" charset="-122"/>
                 <a:sym typeface="Arial" panose="020B0604020202020204" pitchFamily="34" charset="0"/>
               </a:rPr>
-              <a:t>Education and Skill Training</a:t>
+              <a:t> Skill Training</a:t>
             </a:r>
           </a:p>
         </p:txBody>
@@ -22760,13 +22787,13 @@
           <a:p>
             <a:pPr algn="ctr" defTabSz="1218804"/>
             <a:r>
-              <a:rPr lang="en-US" altLang="zh-CN" sz="2666" dirty="0">
+              <a:rPr lang="en-US" altLang="zh-CN" sz="2666" b="1" dirty="0">
                 <a:latin typeface="Yeseva One" panose="00000500000000000000" pitchFamily="2" charset="0"/>
                 <a:ea typeface="微软雅黑" panose="020B0503020204020204" pitchFamily="34" charset="-122"/>
               </a:rPr>
               <a:t>Hypothesis</a:t>
             </a:r>
-            <a:endParaRPr lang="zh-CN" altLang="en-US" sz="2666" dirty="0">
+            <a:endParaRPr lang="zh-CN" altLang="en-US" sz="2666" b="1" dirty="0">
               <a:latin typeface="Yeseva One" panose="00000500000000000000" pitchFamily="2" charset="0"/>
               <a:ea typeface="微软雅黑" panose="020B0503020204020204" pitchFamily="34" charset="-122"/>
             </a:endParaRPr>
